--- a/Sam_Henderson_Snap_TH.pptx
+++ b/Sam_Henderson_Snap_TH.pptx
@@ -4,6 +4,9 @@
   <p:sldMasterIdLst>
     <p:sldMasterId id="2147483660" r:id="rId1"/>
   </p:sldMasterIdLst>
+  <p:notesMasterIdLst>
+    <p:notesMasterId r:id="rId10"/>
+  </p:notesMasterIdLst>
   <p:sldIdLst>
     <p:sldId id="266" r:id="rId2"/>
     <p:sldId id="262" r:id="rId3"/>
@@ -12,6 +15,7 @@
     <p:sldId id="260" r:id="rId6"/>
     <p:sldId id="264" r:id="rId7"/>
     <p:sldId id="265" r:id="rId8"/>
+    <p:sldId id="267" r:id="rId9"/>
   </p:sldIdLst>
   <p:sldSz cx="12192000" cy="6858000"/>
   <p:notesSz cx="6858000" cy="9144000"/>
@@ -110,6 +114,11 @@
       </a:defRPr>
     </a:lvl9pPr>
   </p:defaultTextStyle>
+  <p:extLst>
+    <p:ext uri="{EFAFB233-063F-42B5-8137-9DF3F51BA10A}">
+      <p15:sldGuideLst xmlns:p15="http://schemas.microsoft.com/office/powerpoint/2012/main"/>
+    </p:ext>
+  </p:extLst>
 </p:presentation>
 </file>
 
@@ -2143,7 +2152,7 @@
                   <a:bodyPr/>
                   <a:lstStyle/>
                   <a:p>
-                    <a:fld id="{91A71F87-E40B-D24D-BAA2-9184CEAFF033}" type="CELLRANGE">
+                    <a:fld id="{5F50D503-ACBA-484A-AC2C-56FBC5991579}" type="CELLRANGE">
                       <a:rPr lang="en-US"/>
                       <a:pPr/>
                       <a:t>[CELLRANGE]</a:t>
@@ -2178,7 +2187,7 @@
                   <a:bodyPr/>
                   <a:lstStyle/>
                   <a:p>
-                    <a:fld id="{768E8CF2-4720-BA47-9927-713ADA5B66B8}" type="CELLRANGE">
+                    <a:fld id="{EB4C3763-E2C5-954F-860A-4F6CD581A62F}" type="CELLRANGE">
                       <a:rPr lang="en-US"/>
                       <a:pPr/>
                       <a:t>[CELLRANGE]</a:t>
@@ -2213,7 +2222,7 @@
                   <a:bodyPr/>
                   <a:lstStyle/>
                   <a:p>
-                    <a:fld id="{1DACDD1E-7148-D146-81C9-339363D9C45E}" type="CELLRANGE">
+                    <a:fld id="{A7D972F3-0CDA-0241-A4B2-C87F49B30665}" type="CELLRANGE">
                       <a:rPr lang="en-US"/>
                       <a:pPr/>
                       <a:t>[CELLRANGE]</a:t>
@@ -2248,7 +2257,7 @@
                   <a:bodyPr/>
                   <a:lstStyle/>
                   <a:p>
-                    <a:fld id="{5BE9636E-268B-B443-B383-CDD389CDE9D7}" type="CELLRANGE">
+                    <a:fld id="{0D582DE3-057B-CD40-918A-7458BB9990FB}" type="CELLRANGE">
                       <a:rPr lang="en-US"/>
                       <a:pPr/>
                       <a:t>[CELLRANGE]</a:t>
@@ -2283,7 +2292,7 @@
                   <a:bodyPr/>
                   <a:lstStyle/>
                   <a:p>
-                    <a:fld id="{C681C26F-7861-3943-9483-DEEEC68DAAB5}" type="CELLRANGE">
+                    <a:fld id="{8DDACA4F-1486-0741-AB27-88B426ECAACC}" type="CELLRANGE">
                       <a:rPr lang="en-US"/>
                       <a:pPr/>
                       <a:t>[CELLRANGE]</a:t>
@@ -2318,7 +2327,7 @@
                   <a:bodyPr/>
                   <a:lstStyle/>
                   <a:p>
-                    <a:fld id="{B42F19DD-3FB5-2F4F-B8BE-8DC2262548FD}" type="CELLRANGE">
+                    <a:fld id="{6231DB2F-FC4A-2346-8CF0-673E3F3DE91A}" type="CELLRANGE">
                       <a:rPr lang="en-US"/>
                       <a:pPr/>
                       <a:t>[CELLRANGE]</a:t>
@@ -2353,7 +2362,7 @@
                   <a:bodyPr/>
                   <a:lstStyle/>
                   <a:p>
-                    <a:fld id="{152842D0-7E42-394C-AFE1-7CD7963EF70C}" type="CELLRANGE">
+                    <a:fld id="{E29D5E09-6295-BA4C-B87E-3D56292CDDB2}" type="CELLRANGE">
                       <a:rPr lang="en-US"/>
                       <a:pPr/>
                       <a:t>[CELLRANGE]</a:t>
@@ -2388,7 +2397,7 @@
                   <a:bodyPr/>
                   <a:lstStyle/>
                   <a:p>
-                    <a:fld id="{7DC9D3D5-50FD-4745-A4B1-FC7E78FD88CC}" type="CELLRANGE">
+                    <a:fld id="{1A1B8D86-FA0F-7944-8BED-6C0CF693737D}" type="CELLRANGE">
                       <a:rPr lang="en-US"/>
                       <a:pPr/>
                       <a:t>[CELLRANGE]</a:t>
@@ -2423,7 +2432,7 @@
                   <a:bodyPr/>
                   <a:lstStyle/>
                   <a:p>
-                    <a:fld id="{ACEF3482-0F79-1B49-9F13-3E247365215B}" type="CELLRANGE">
+                    <a:fld id="{A9B9313B-9783-984C-90CB-7FCC12049AED}" type="CELLRANGE">
                       <a:rPr lang="en-US"/>
                       <a:pPr/>
                       <a:t>[CELLRANGE]</a:t>
@@ -2458,7 +2467,7 @@
                   <a:bodyPr/>
                   <a:lstStyle/>
                   <a:p>
-                    <a:fld id="{0271018C-85B5-D44F-93E6-1670586DFEE8}" type="CELLRANGE">
+                    <a:fld id="{CEAEC52A-7DED-194D-ABE8-D7B3FEC58D58}" type="CELLRANGE">
                       <a:rPr lang="en-US"/>
                       <a:pPr/>
                       <a:t>[CELLRANGE]</a:t>
@@ -2530,10 +2539,6 @@
                   <a:prstGeom prst="rect">
                     <a:avLst/>
                   </a:prstGeom>
-                  <a:noFill/>
-                  <a:ln>
-                    <a:noFill/>
-                  </a:ln>
                 </c15:spPr>
                 <c15:showDataLabelsRange val="1"/>
                 <c15:showLeaderLines val="0"/>
@@ -2848,7 +2853,7 @@
       <a:endParaRPr lang="en-US"/>
     </a:p>
   </c:txPr>
-  <c:externalData r:id="rId3">
+  <c:externalData r:id="rId1">
     <c:autoUpdate val="0"/>
   </c:externalData>
 </c:chartSpace>
@@ -2935,46 +2940,6 @@
 </file>
 
 <file path=ppt/charts/colors3.xml><?xml version="1.0" encoding="utf-8"?>
-<cs:colorStyle xmlns:cs="http://schemas.microsoft.com/office/drawing/2012/chartStyle" xmlns:a="http://schemas.openxmlformats.org/drawingml/2006/main" meth="cycle" id="10">
-  <a:schemeClr val="accent1"/>
-  <a:schemeClr val="accent2"/>
-  <a:schemeClr val="accent3"/>
-  <a:schemeClr val="accent4"/>
-  <a:schemeClr val="accent5"/>
-  <a:schemeClr val="accent6"/>
-  <cs:variation/>
-  <cs:variation>
-    <a:lumMod val="60000"/>
-  </cs:variation>
-  <cs:variation>
-    <a:lumMod val="80000"/>
-    <a:lumOff val="20000"/>
-  </cs:variation>
-  <cs:variation>
-    <a:lumMod val="80000"/>
-  </cs:variation>
-  <cs:variation>
-    <a:lumMod val="60000"/>
-    <a:lumOff val="40000"/>
-  </cs:variation>
-  <cs:variation>
-    <a:lumMod val="50000"/>
-  </cs:variation>
-  <cs:variation>
-    <a:lumMod val="70000"/>
-    <a:lumOff val="30000"/>
-  </cs:variation>
-  <cs:variation>
-    <a:lumMod val="70000"/>
-  </cs:variation>
-  <cs:variation>
-    <a:lumMod val="50000"/>
-    <a:lumOff val="50000"/>
-  </cs:variation>
-</cs:colorStyle>
-</file>
-
-<file path=ppt/charts/colors4.xml><?xml version="1.0" encoding="utf-8"?>
 <cs:colorStyle xmlns:cs="http://schemas.microsoft.com/office/drawing/2012/chartStyle" xmlns:a="http://schemas.openxmlformats.org/drawingml/2006/main" meth="cycle" id="10">
   <a:schemeClr val="accent1"/>
   <a:schemeClr val="accent2"/>
@@ -4551,507 +4516,952 @@
 </cs:chartStyle>
 </file>
 
-<file path=ppt/charts/style4.xml><?xml version="1.0" encoding="utf-8"?>
-<cs:chartStyle xmlns:cs="http://schemas.microsoft.com/office/drawing/2012/chartStyle" xmlns:a="http://schemas.openxmlformats.org/drawingml/2006/main" id="201">
-  <cs:axisTitle>
-    <cs:lnRef idx="0"/>
-    <cs:fillRef idx="0"/>
-    <cs:effectRef idx="0"/>
-    <cs:fontRef idx="minor">
-      <a:schemeClr val="tx1">
-        <a:lumMod val="65000"/>
-        <a:lumOff val="35000"/>
-      </a:schemeClr>
-    </cs:fontRef>
-    <cs:defRPr sz="1330" kern="1200"/>
-  </cs:axisTitle>
-  <cs:categoryAxis>
-    <cs:lnRef idx="0"/>
-    <cs:fillRef idx="0"/>
-    <cs:effectRef idx="0"/>
-    <cs:fontRef idx="minor">
-      <a:schemeClr val="tx1">
-        <a:lumMod val="65000"/>
-        <a:lumOff val="35000"/>
-      </a:schemeClr>
-    </cs:fontRef>
-    <cs:spPr>
-      <a:ln w="9525" cap="flat" cmpd="sng" algn="ctr">
+<file path=ppt/notesMasters/notesMaster1.xml><?xml version="1.0" encoding="utf-8"?>
+<p:notesMaster xmlns:a="http://schemas.openxmlformats.org/drawingml/2006/main" xmlns:r="http://schemas.openxmlformats.org/officeDocument/2006/relationships" xmlns:p="http://schemas.openxmlformats.org/presentationml/2006/main">
+  <p:cSld>
+    <p:bg>
+      <p:bgRef idx="1001">
+        <a:schemeClr val="bg1"/>
+      </p:bgRef>
+    </p:bg>
+    <p:spTree>
+      <p:nvGrpSpPr>
+        <p:cNvPr id="1" name=""/>
+        <p:cNvGrpSpPr/>
+        <p:nvPr/>
+      </p:nvGrpSpPr>
+      <p:grpSpPr>
+        <a:xfrm>
+          <a:off x="0" y="0"/>
+          <a:ext cx="0" cy="0"/>
+          <a:chOff x="0" y="0"/>
+          <a:chExt cx="0" cy="0"/>
+        </a:xfrm>
+      </p:grpSpPr>
+      <p:sp>
+        <p:nvSpPr>
+          <p:cNvPr id="2" name="Header Placeholder 1"/>
+          <p:cNvSpPr>
+            <a:spLocks noGrp="1"/>
+          </p:cNvSpPr>
+          <p:nvPr>
+            <p:ph type="hdr" sz="quarter"/>
+          </p:nvPr>
+        </p:nvSpPr>
+        <p:spPr>
+          <a:xfrm>
+            <a:off x="0" y="0"/>
+            <a:ext cx="2971800" cy="458788"/>
+          </a:xfrm>
+          <a:prstGeom prst="rect">
+            <a:avLst/>
+          </a:prstGeom>
+        </p:spPr>
+        <p:txBody>
+          <a:bodyPr vert="horz" lIns="91440" tIns="45720" rIns="91440" bIns="45720" rtlCol="0"/>
+          <a:lstStyle>
+            <a:lvl1pPr algn="l">
+              <a:defRPr sz="1200"/>
+            </a:lvl1pPr>
+          </a:lstStyle>
+          <a:p>
+            <a:endParaRPr lang="en-US"/>
+          </a:p>
+        </p:txBody>
+      </p:sp>
+      <p:sp>
+        <p:nvSpPr>
+          <p:cNvPr id="3" name="Date Placeholder 2"/>
+          <p:cNvSpPr>
+            <a:spLocks noGrp="1"/>
+          </p:cNvSpPr>
+          <p:nvPr>
+            <p:ph type="dt" idx="1"/>
+          </p:nvPr>
+        </p:nvSpPr>
+        <p:spPr>
+          <a:xfrm>
+            <a:off x="3884613" y="0"/>
+            <a:ext cx="2971800" cy="458788"/>
+          </a:xfrm>
+          <a:prstGeom prst="rect">
+            <a:avLst/>
+          </a:prstGeom>
+        </p:spPr>
+        <p:txBody>
+          <a:bodyPr vert="horz" lIns="91440" tIns="45720" rIns="91440" bIns="45720" rtlCol="0"/>
+          <a:lstStyle>
+            <a:lvl1pPr algn="r">
+              <a:defRPr sz="1200"/>
+            </a:lvl1pPr>
+          </a:lstStyle>
+          <a:p>
+            <a:fld id="{413B87D5-84C1-CD44-97A5-E676FF935A46}" type="datetimeFigureOut">
+              <a:rPr lang="en-US" smtClean="0"/>
+              <a:t>12/30/25</a:t>
+            </a:fld>
+            <a:endParaRPr lang="en-US"/>
+          </a:p>
+        </p:txBody>
+      </p:sp>
+      <p:sp>
+        <p:nvSpPr>
+          <p:cNvPr id="4" name="Slide Image Placeholder 3"/>
+          <p:cNvSpPr>
+            <a:spLocks noGrp="1" noRot="1" noChangeAspect="1"/>
+          </p:cNvSpPr>
+          <p:nvPr>
+            <p:ph type="sldImg" idx="2"/>
+          </p:nvPr>
+        </p:nvSpPr>
+        <p:spPr>
+          <a:xfrm>
+            <a:off x="685800" y="1143000"/>
+            <a:ext cx="5486400" cy="3086100"/>
+          </a:xfrm>
+          <a:prstGeom prst="rect">
+            <a:avLst/>
+          </a:prstGeom>
+          <a:noFill/>
+          <a:ln w="12700">
+            <a:solidFill>
+              <a:prstClr val="black"/>
+            </a:solidFill>
+          </a:ln>
+        </p:spPr>
+        <p:txBody>
+          <a:bodyPr vert="horz" lIns="91440" tIns="45720" rIns="91440" bIns="45720" rtlCol="0" anchor="ctr"/>
+          <a:lstStyle/>
+          <a:p>
+            <a:endParaRPr lang="en-US"/>
+          </a:p>
+        </p:txBody>
+      </p:sp>
+      <p:sp>
+        <p:nvSpPr>
+          <p:cNvPr id="5" name="Notes Placeholder 4"/>
+          <p:cNvSpPr>
+            <a:spLocks noGrp="1"/>
+          </p:cNvSpPr>
+          <p:nvPr>
+            <p:ph type="body" sz="quarter" idx="3"/>
+          </p:nvPr>
+        </p:nvSpPr>
+        <p:spPr>
+          <a:xfrm>
+            <a:off x="685800" y="4400550"/>
+            <a:ext cx="5486400" cy="3600450"/>
+          </a:xfrm>
+          <a:prstGeom prst="rect">
+            <a:avLst/>
+          </a:prstGeom>
+        </p:spPr>
+        <p:txBody>
+          <a:bodyPr vert="horz" lIns="91440" tIns="45720" rIns="91440" bIns="45720" rtlCol="0"/>
+          <a:lstStyle/>
+          <a:p>
+            <a:pPr lvl="0"/>
+            <a:r>
+              <a:rPr lang="en-US"/>
+              <a:t>Click to edit Master text styles</a:t>
+            </a:r>
+          </a:p>
+          <a:p>
+            <a:pPr lvl="1"/>
+            <a:r>
+              <a:rPr lang="en-US"/>
+              <a:t>Second level</a:t>
+            </a:r>
+          </a:p>
+          <a:p>
+            <a:pPr lvl="2"/>
+            <a:r>
+              <a:rPr lang="en-US"/>
+              <a:t>Third level</a:t>
+            </a:r>
+          </a:p>
+          <a:p>
+            <a:pPr lvl="3"/>
+            <a:r>
+              <a:rPr lang="en-US"/>
+              <a:t>Fourth level</a:t>
+            </a:r>
+          </a:p>
+          <a:p>
+            <a:pPr lvl="4"/>
+            <a:r>
+              <a:rPr lang="en-US"/>
+              <a:t>Fifth level</a:t>
+            </a:r>
+          </a:p>
+        </p:txBody>
+      </p:sp>
+      <p:sp>
+        <p:nvSpPr>
+          <p:cNvPr id="6" name="Footer Placeholder 5"/>
+          <p:cNvSpPr>
+            <a:spLocks noGrp="1"/>
+          </p:cNvSpPr>
+          <p:nvPr>
+            <p:ph type="ftr" sz="quarter" idx="4"/>
+          </p:nvPr>
+        </p:nvSpPr>
+        <p:spPr>
+          <a:xfrm>
+            <a:off x="0" y="8685213"/>
+            <a:ext cx="2971800" cy="458787"/>
+          </a:xfrm>
+          <a:prstGeom prst="rect">
+            <a:avLst/>
+          </a:prstGeom>
+        </p:spPr>
+        <p:txBody>
+          <a:bodyPr vert="horz" lIns="91440" tIns="45720" rIns="91440" bIns="45720" rtlCol="0" anchor="b"/>
+          <a:lstStyle>
+            <a:lvl1pPr algn="l">
+              <a:defRPr sz="1200"/>
+            </a:lvl1pPr>
+          </a:lstStyle>
+          <a:p>
+            <a:endParaRPr lang="en-US"/>
+          </a:p>
+        </p:txBody>
+      </p:sp>
+      <p:sp>
+        <p:nvSpPr>
+          <p:cNvPr id="7" name="Slide Number Placeholder 6"/>
+          <p:cNvSpPr>
+            <a:spLocks noGrp="1"/>
+          </p:cNvSpPr>
+          <p:nvPr>
+            <p:ph type="sldNum" sz="quarter" idx="5"/>
+          </p:nvPr>
+        </p:nvSpPr>
+        <p:spPr>
+          <a:xfrm>
+            <a:off x="3884613" y="8685213"/>
+            <a:ext cx="2971800" cy="458787"/>
+          </a:xfrm>
+          <a:prstGeom prst="rect">
+            <a:avLst/>
+          </a:prstGeom>
+        </p:spPr>
+        <p:txBody>
+          <a:bodyPr vert="horz" lIns="91440" tIns="45720" rIns="91440" bIns="45720" rtlCol="0" anchor="b"/>
+          <a:lstStyle>
+            <a:lvl1pPr algn="r">
+              <a:defRPr sz="1200"/>
+            </a:lvl1pPr>
+          </a:lstStyle>
+          <a:p>
+            <a:fld id="{C8F9AE81-6F82-DB46-922F-3FDE3A3678EC}" type="slidenum">
+              <a:rPr lang="en-US" smtClean="0"/>
+              <a:t>‹#›</a:t>
+            </a:fld>
+            <a:endParaRPr lang="en-US"/>
+          </a:p>
+        </p:txBody>
+      </p:sp>
+    </p:spTree>
+    <p:extLst>
+      <p:ext uri="{BB962C8B-B14F-4D97-AF65-F5344CB8AC3E}">
+        <p14:creationId xmlns:p14="http://schemas.microsoft.com/office/powerpoint/2010/main" val="2578784535"/>
+      </p:ext>
+    </p:extLst>
+  </p:cSld>
+  <p:clrMap bg1="lt1" tx1="dk1" bg2="lt2" tx2="dk2" accent1="accent1" accent2="accent2" accent3="accent3" accent4="accent4" accent5="accent5" accent6="accent6" hlink="hlink" folHlink="folHlink"/>
+  <p:notesStyle>
+    <a:lvl1pPr marL="0" algn="l" defTabSz="914400" rtl="0" eaLnBrk="1" latinLnBrk="0" hangingPunct="1">
+      <a:defRPr sz="1200" kern="1200">
         <a:solidFill>
-          <a:schemeClr val="tx1">
-            <a:lumMod val="15000"/>
-            <a:lumOff val="85000"/>
-          </a:schemeClr>
+          <a:schemeClr val="tx1"/>
         </a:solidFill>
-        <a:round/>
-      </a:ln>
-    </cs:spPr>
-    <cs:defRPr sz="1197" kern="1200"/>
-  </cs:categoryAxis>
-  <cs:chartArea mods="allowNoFillOverride allowNoLineOverride">
-    <cs:lnRef idx="0"/>
-    <cs:fillRef idx="0"/>
-    <cs:effectRef idx="0"/>
-    <cs:fontRef idx="minor">
-      <a:schemeClr val="tx1"/>
-    </cs:fontRef>
-    <cs:spPr>
-      <a:solidFill>
-        <a:schemeClr val="bg1"/>
-      </a:solidFill>
-      <a:ln w="9525" cap="flat" cmpd="sng" algn="ctr">
+        <a:latin typeface="+mn-lt"/>
+        <a:ea typeface="+mn-ea"/>
+        <a:cs typeface="+mn-cs"/>
+      </a:defRPr>
+    </a:lvl1pPr>
+    <a:lvl2pPr marL="457200" algn="l" defTabSz="914400" rtl="0" eaLnBrk="1" latinLnBrk="0" hangingPunct="1">
+      <a:defRPr sz="1200" kern="1200">
         <a:solidFill>
-          <a:schemeClr val="tx1">
-            <a:lumMod val="15000"/>
-            <a:lumOff val="85000"/>
-          </a:schemeClr>
+          <a:schemeClr val="tx1"/>
         </a:solidFill>
-        <a:round/>
-      </a:ln>
-    </cs:spPr>
-    <cs:defRPr sz="1330" kern="1200"/>
-  </cs:chartArea>
-  <cs:dataLabel>
-    <cs:lnRef idx="0"/>
-    <cs:fillRef idx="0"/>
-    <cs:effectRef idx="0"/>
-    <cs:fontRef idx="minor">
-      <a:schemeClr val="tx1">
-        <a:lumMod val="75000"/>
-        <a:lumOff val="25000"/>
-      </a:schemeClr>
-    </cs:fontRef>
-    <cs:defRPr sz="1197" kern="1200"/>
-  </cs:dataLabel>
-  <cs:dataLabelCallout>
-    <cs:lnRef idx="0"/>
-    <cs:fillRef idx="0"/>
-    <cs:effectRef idx="0"/>
-    <cs:fontRef idx="minor">
-      <a:schemeClr val="dk1">
-        <a:lumMod val="65000"/>
-        <a:lumOff val="35000"/>
-      </a:schemeClr>
-    </cs:fontRef>
-    <cs:spPr>
-      <a:solidFill>
-        <a:schemeClr val="lt1"/>
-      </a:solidFill>
-      <a:ln>
+        <a:latin typeface="+mn-lt"/>
+        <a:ea typeface="+mn-ea"/>
+        <a:cs typeface="+mn-cs"/>
+      </a:defRPr>
+    </a:lvl2pPr>
+    <a:lvl3pPr marL="914400" algn="l" defTabSz="914400" rtl="0" eaLnBrk="1" latinLnBrk="0" hangingPunct="1">
+      <a:defRPr sz="1200" kern="1200">
         <a:solidFill>
-          <a:schemeClr val="dk1">
-            <a:lumMod val="25000"/>
-            <a:lumOff val="75000"/>
-          </a:schemeClr>
+          <a:schemeClr val="tx1"/>
         </a:solidFill>
-      </a:ln>
-    </cs:spPr>
-    <cs:defRPr sz="1197" kern="1200"/>
-    <cs:bodyPr rot="0" spcFirstLastPara="1" vertOverflow="clip" horzOverflow="clip" vert="horz" wrap="square" lIns="36576" tIns="18288" rIns="36576" bIns="18288" anchor="ctr" anchorCtr="1">
-      <a:spAutoFit/>
-    </cs:bodyPr>
-  </cs:dataLabelCallout>
-  <cs:dataPoint>
-    <cs:lnRef idx="0"/>
-    <cs:fillRef idx="1">
-      <cs:styleClr val="auto"/>
-    </cs:fillRef>
-    <cs:effectRef idx="0"/>
-    <cs:fontRef idx="minor">
-      <a:schemeClr val="tx1"/>
-    </cs:fontRef>
-  </cs:dataPoint>
-  <cs:dataPoint3D>
-    <cs:lnRef idx="0"/>
-    <cs:fillRef idx="1">
-      <cs:styleClr val="auto"/>
-    </cs:fillRef>
-    <cs:effectRef idx="0"/>
-    <cs:fontRef idx="minor">
-      <a:schemeClr val="tx1"/>
-    </cs:fontRef>
-  </cs:dataPoint3D>
-  <cs:dataPointLine>
-    <cs:lnRef idx="0">
-      <cs:styleClr val="auto"/>
-    </cs:lnRef>
-    <cs:fillRef idx="1"/>
-    <cs:effectRef idx="0"/>
-    <cs:fontRef idx="minor">
-      <a:schemeClr val="tx1"/>
-    </cs:fontRef>
-    <cs:spPr>
-      <a:ln w="28575" cap="rnd">
+        <a:latin typeface="+mn-lt"/>
+        <a:ea typeface="+mn-ea"/>
+        <a:cs typeface="+mn-cs"/>
+      </a:defRPr>
+    </a:lvl3pPr>
+    <a:lvl4pPr marL="1371600" algn="l" defTabSz="914400" rtl="0" eaLnBrk="1" latinLnBrk="0" hangingPunct="1">
+      <a:defRPr sz="1200" kern="1200">
         <a:solidFill>
-          <a:schemeClr val="phClr"/>
+          <a:schemeClr val="tx1"/>
         </a:solidFill>
-        <a:round/>
-      </a:ln>
-    </cs:spPr>
-  </cs:dataPointLine>
-  <cs:dataPointMarker>
-    <cs:lnRef idx="0">
-      <cs:styleClr val="auto"/>
-    </cs:lnRef>
-    <cs:fillRef idx="1">
-      <cs:styleClr val="auto"/>
-    </cs:fillRef>
-    <cs:effectRef idx="0"/>
-    <cs:fontRef idx="minor">
-      <a:schemeClr val="tx1"/>
-    </cs:fontRef>
-    <cs:spPr>
-      <a:ln w="9525">
+        <a:latin typeface="+mn-lt"/>
+        <a:ea typeface="+mn-ea"/>
+        <a:cs typeface="+mn-cs"/>
+      </a:defRPr>
+    </a:lvl4pPr>
+    <a:lvl5pPr marL="1828800" algn="l" defTabSz="914400" rtl="0" eaLnBrk="1" latinLnBrk="0" hangingPunct="1">
+      <a:defRPr sz="1200" kern="1200">
         <a:solidFill>
-          <a:schemeClr val="phClr"/>
+          <a:schemeClr val="tx1"/>
         </a:solidFill>
-      </a:ln>
-    </cs:spPr>
-  </cs:dataPointMarker>
-  <cs:dataPointMarkerLayout symbol="circle" size="5"/>
-  <cs:dataPointWireframe>
-    <cs:lnRef idx="0">
-      <cs:styleClr val="auto"/>
-    </cs:lnRef>
-    <cs:fillRef idx="1"/>
-    <cs:effectRef idx="0"/>
-    <cs:fontRef idx="minor">
-      <a:schemeClr val="tx1"/>
-    </cs:fontRef>
-    <cs:spPr>
-      <a:ln w="9525" cap="rnd">
+        <a:latin typeface="+mn-lt"/>
+        <a:ea typeface="+mn-ea"/>
+        <a:cs typeface="+mn-cs"/>
+      </a:defRPr>
+    </a:lvl5pPr>
+    <a:lvl6pPr marL="2286000" algn="l" defTabSz="914400" rtl="0" eaLnBrk="1" latinLnBrk="0" hangingPunct="1">
+      <a:defRPr sz="1200" kern="1200">
         <a:solidFill>
-          <a:schemeClr val="phClr"/>
+          <a:schemeClr val="tx1"/>
         </a:solidFill>
-        <a:round/>
-      </a:ln>
-    </cs:spPr>
-  </cs:dataPointWireframe>
-  <cs:dataTable>
-    <cs:lnRef idx="0"/>
-    <cs:fillRef idx="0"/>
-    <cs:effectRef idx="0"/>
-    <cs:fontRef idx="minor">
-      <a:schemeClr val="tx1">
-        <a:lumMod val="65000"/>
-        <a:lumOff val="35000"/>
-      </a:schemeClr>
-    </cs:fontRef>
-    <cs:spPr>
-      <a:noFill/>
-      <a:ln w="9525" cap="flat" cmpd="sng" algn="ctr">
+        <a:latin typeface="+mn-lt"/>
+        <a:ea typeface="+mn-ea"/>
+        <a:cs typeface="+mn-cs"/>
+      </a:defRPr>
+    </a:lvl6pPr>
+    <a:lvl7pPr marL="2743200" algn="l" defTabSz="914400" rtl="0" eaLnBrk="1" latinLnBrk="0" hangingPunct="1">
+      <a:defRPr sz="1200" kern="1200">
         <a:solidFill>
-          <a:schemeClr val="tx1">
-            <a:lumMod val="15000"/>
-            <a:lumOff val="85000"/>
-          </a:schemeClr>
+          <a:schemeClr val="tx1"/>
         </a:solidFill>
-        <a:round/>
-      </a:ln>
-    </cs:spPr>
-    <cs:defRPr sz="1197" kern="1200"/>
-  </cs:dataTable>
-  <cs:downBar>
-    <cs:lnRef idx="0"/>
-    <cs:fillRef idx="0"/>
-    <cs:effectRef idx="0"/>
-    <cs:fontRef idx="minor">
-      <a:schemeClr val="dk1"/>
-    </cs:fontRef>
-    <cs:spPr>
-      <a:solidFill>
-        <a:schemeClr val="dk1">
-          <a:lumMod val="65000"/>
-          <a:lumOff val="35000"/>
-        </a:schemeClr>
-      </a:solidFill>
-      <a:ln w="9525">
+        <a:latin typeface="+mn-lt"/>
+        <a:ea typeface="+mn-ea"/>
+        <a:cs typeface="+mn-cs"/>
+      </a:defRPr>
+    </a:lvl7pPr>
+    <a:lvl8pPr marL="3200400" algn="l" defTabSz="914400" rtl="0" eaLnBrk="1" latinLnBrk="0" hangingPunct="1">
+      <a:defRPr sz="1200" kern="1200">
         <a:solidFill>
-          <a:schemeClr val="tx1">
-            <a:lumMod val="65000"/>
-            <a:lumOff val="35000"/>
-          </a:schemeClr>
+          <a:schemeClr val="tx1"/>
         </a:solidFill>
-      </a:ln>
-    </cs:spPr>
-  </cs:downBar>
-  <cs:dropLine>
-    <cs:lnRef idx="0"/>
-    <cs:fillRef idx="0"/>
-    <cs:effectRef idx="0"/>
-    <cs:fontRef idx="minor">
-      <a:schemeClr val="tx1"/>
-    </cs:fontRef>
-    <cs:spPr>
-      <a:ln w="9525" cap="flat" cmpd="sng" algn="ctr">
+        <a:latin typeface="+mn-lt"/>
+        <a:ea typeface="+mn-ea"/>
+        <a:cs typeface="+mn-cs"/>
+      </a:defRPr>
+    </a:lvl8pPr>
+    <a:lvl9pPr marL="3657600" algn="l" defTabSz="914400" rtl="0" eaLnBrk="1" latinLnBrk="0" hangingPunct="1">
+      <a:defRPr sz="1200" kern="1200">
         <a:solidFill>
-          <a:schemeClr val="tx1">
-            <a:lumMod val="35000"/>
-            <a:lumOff val="65000"/>
-          </a:schemeClr>
+          <a:schemeClr val="tx1"/>
         </a:solidFill>
-        <a:round/>
-      </a:ln>
-    </cs:spPr>
-  </cs:dropLine>
-  <cs:errorBar>
-    <cs:lnRef idx="0"/>
-    <cs:fillRef idx="0"/>
-    <cs:effectRef idx="0"/>
-    <cs:fontRef idx="minor">
-      <a:schemeClr val="tx1"/>
-    </cs:fontRef>
-    <cs:spPr>
-      <a:ln w="9525" cap="flat" cmpd="sng" algn="ctr">
-        <a:solidFill>
-          <a:schemeClr val="tx1">
-            <a:lumMod val="65000"/>
-            <a:lumOff val="35000"/>
-          </a:schemeClr>
-        </a:solidFill>
-        <a:round/>
-      </a:ln>
-    </cs:spPr>
-  </cs:errorBar>
-  <cs:floor>
-    <cs:lnRef idx="0"/>
-    <cs:fillRef idx="0"/>
-    <cs:effectRef idx="0"/>
-    <cs:fontRef idx="minor">
-      <a:schemeClr val="tx1"/>
-    </cs:fontRef>
-    <cs:spPr>
-      <a:noFill/>
-      <a:ln>
-        <a:noFill/>
-      </a:ln>
-    </cs:spPr>
-  </cs:floor>
-  <cs:gridlineMajor>
-    <cs:lnRef idx="0"/>
-    <cs:fillRef idx="0"/>
-    <cs:effectRef idx="0"/>
-    <cs:fontRef idx="minor">
-      <a:schemeClr val="tx1"/>
-    </cs:fontRef>
-    <cs:spPr>
-      <a:ln w="9525" cap="flat" cmpd="sng" algn="ctr">
-        <a:solidFill>
-          <a:schemeClr val="tx1">
-            <a:lumMod val="15000"/>
-            <a:lumOff val="85000"/>
-          </a:schemeClr>
-        </a:solidFill>
-        <a:round/>
-      </a:ln>
-    </cs:spPr>
-  </cs:gridlineMajor>
-  <cs:gridlineMinor>
-    <cs:lnRef idx="0"/>
-    <cs:fillRef idx="0"/>
-    <cs:effectRef idx="0"/>
-    <cs:fontRef idx="minor">
-      <a:schemeClr val="tx1"/>
-    </cs:fontRef>
-    <cs:spPr>
-      <a:ln w="9525" cap="flat" cmpd="sng" algn="ctr">
-        <a:solidFill>
-          <a:schemeClr val="tx1">
-            <a:lumMod val="5000"/>
-            <a:lumOff val="95000"/>
-          </a:schemeClr>
-        </a:solidFill>
-        <a:round/>
-      </a:ln>
-    </cs:spPr>
-  </cs:gridlineMinor>
-  <cs:hiLoLine>
-    <cs:lnRef idx="0"/>
-    <cs:fillRef idx="0"/>
-    <cs:effectRef idx="0"/>
-    <cs:fontRef idx="minor">
-      <a:schemeClr val="tx1"/>
-    </cs:fontRef>
-    <cs:spPr>
-      <a:ln w="9525" cap="flat" cmpd="sng" algn="ctr">
-        <a:solidFill>
-          <a:schemeClr val="tx1">
-            <a:lumMod val="75000"/>
-            <a:lumOff val="25000"/>
-          </a:schemeClr>
-        </a:solidFill>
-        <a:round/>
-      </a:ln>
-    </cs:spPr>
-  </cs:hiLoLine>
-  <cs:leaderLine>
-    <cs:lnRef idx="0"/>
-    <cs:fillRef idx="0"/>
-    <cs:effectRef idx="0"/>
-    <cs:fontRef idx="minor">
-      <a:schemeClr val="tx1"/>
-    </cs:fontRef>
-    <cs:spPr>
-      <a:ln w="9525" cap="flat" cmpd="sng" algn="ctr">
-        <a:solidFill>
-          <a:schemeClr val="tx1">
-            <a:lumMod val="35000"/>
-            <a:lumOff val="65000"/>
-          </a:schemeClr>
-        </a:solidFill>
-        <a:round/>
-      </a:ln>
-    </cs:spPr>
-  </cs:leaderLine>
-  <cs:legend>
-    <cs:lnRef idx="0"/>
-    <cs:fillRef idx="0"/>
-    <cs:effectRef idx="0"/>
-    <cs:fontRef idx="minor">
-      <a:schemeClr val="tx1">
-        <a:lumMod val="65000"/>
-        <a:lumOff val="35000"/>
-      </a:schemeClr>
-    </cs:fontRef>
-    <cs:defRPr sz="1197" kern="1200"/>
-  </cs:legend>
-  <cs:plotArea mods="allowNoFillOverride allowNoLineOverride">
-    <cs:lnRef idx="0"/>
-    <cs:fillRef idx="0"/>
-    <cs:effectRef idx="0"/>
-    <cs:fontRef idx="minor">
-      <a:schemeClr val="tx1"/>
-    </cs:fontRef>
-  </cs:plotArea>
-  <cs:plotArea3D mods="allowNoFillOverride allowNoLineOverride">
-    <cs:lnRef idx="0"/>
-    <cs:fillRef idx="0"/>
-    <cs:effectRef idx="0"/>
-    <cs:fontRef idx="minor">
-      <a:schemeClr val="tx1"/>
-    </cs:fontRef>
-  </cs:plotArea3D>
-  <cs:seriesAxis>
-    <cs:lnRef idx="0"/>
-    <cs:fillRef idx="0"/>
-    <cs:effectRef idx="0"/>
-    <cs:fontRef idx="minor">
-      <a:schemeClr val="tx1">
-        <a:lumMod val="65000"/>
-        <a:lumOff val="35000"/>
-      </a:schemeClr>
-    </cs:fontRef>
-    <cs:defRPr sz="1197" kern="1200"/>
-  </cs:seriesAxis>
-  <cs:seriesLine>
-    <cs:lnRef idx="0"/>
-    <cs:fillRef idx="0"/>
-    <cs:effectRef idx="0"/>
-    <cs:fontRef idx="minor">
-      <a:schemeClr val="tx1"/>
-    </cs:fontRef>
-    <cs:spPr>
-      <a:ln w="9525" cap="flat" cmpd="sng" algn="ctr">
-        <a:solidFill>
-          <a:schemeClr val="tx1">
-            <a:lumMod val="35000"/>
-            <a:lumOff val="65000"/>
-          </a:schemeClr>
-        </a:solidFill>
-        <a:round/>
-      </a:ln>
-    </cs:spPr>
-  </cs:seriesLine>
-  <cs:title>
-    <cs:lnRef idx="0"/>
-    <cs:fillRef idx="0"/>
-    <cs:effectRef idx="0"/>
-    <cs:fontRef idx="minor">
-      <a:schemeClr val="tx1">
-        <a:lumMod val="65000"/>
-        <a:lumOff val="35000"/>
-      </a:schemeClr>
-    </cs:fontRef>
-    <cs:defRPr sz="1862" b="0" kern="1200" spc="0" baseline="0"/>
-  </cs:title>
-  <cs:trendline>
-    <cs:lnRef idx="0">
-      <cs:styleClr val="auto"/>
-    </cs:lnRef>
-    <cs:fillRef idx="0"/>
-    <cs:effectRef idx="0"/>
-    <cs:fontRef idx="minor">
-      <a:schemeClr val="tx1"/>
-    </cs:fontRef>
-    <cs:spPr>
-      <a:ln w="19050" cap="rnd">
-        <a:solidFill>
-          <a:schemeClr val="phClr"/>
-        </a:solidFill>
-        <a:prstDash val="sysDot"/>
-      </a:ln>
-    </cs:spPr>
-  </cs:trendline>
-  <cs:trendlineLabel>
-    <cs:lnRef idx="0"/>
-    <cs:fillRef idx="0"/>
-    <cs:effectRef idx="0"/>
-    <cs:fontRef idx="minor">
-      <a:schemeClr val="tx1">
-        <a:lumMod val="65000"/>
-        <a:lumOff val="35000"/>
-      </a:schemeClr>
-    </cs:fontRef>
-    <cs:defRPr sz="1197" kern="1200"/>
-  </cs:trendlineLabel>
-  <cs:upBar>
-    <cs:lnRef idx="0"/>
-    <cs:fillRef idx="0"/>
-    <cs:effectRef idx="0"/>
-    <cs:fontRef idx="minor">
-      <a:schemeClr val="dk1"/>
-    </cs:fontRef>
-    <cs:spPr>
-      <a:solidFill>
-        <a:schemeClr val="lt1"/>
-      </a:solidFill>
-      <a:ln w="9525">
-        <a:solidFill>
-          <a:schemeClr val="tx1">
-            <a:lumMod val="15000"/>
-            <a:lumOff val="85000"/>
-          </a:schemeClr>
-        </a:solidFill>
-      </a:ln>
-    </cs:spPr>
-  </cs:upBar>
-  <cs:valueAxis>
-    <cs:lnRef idx="0"/>
-    <cs:fillRef idx="0"/>
-    <cs:effectRef idx="0"/>
-    <cs:fontRef idx="minor">
-      <a:schemeClr val="tx1">
-        <a:lumMod val="65000"/>
-        <a:lumOff val="35000"/>
-      </a:schemeClr>
-    </cs:fontRef>
-    <cs:defRPr sz="1197" kern="1200"/>
-  </cs:valueAxis>
-  <cs:wall>
-    <cs:lnRef idx="0"/>
-    <cs:fillRef idx="0"/>
-    <cs:effectRef idx="0"/>
-    <cs:fontRef idx="minor">
-      <a:schemeClr val="tx1"/>
-    </cs:fontRef>
-    <cs:spPr>
-      <a:noFill/>
-      <a:ln>
-        <a:noFill/>
-      </a:ln>
-    </cs:spPr>
-  </cs:wall>
-</cs:chartStyle>
+        <a:latin typeface="+mn-lt"/>
+        <a:ea typeface="+mn-ea"/>
+        <a:cs typeface="+mn-cs"/>
+      </a:defRPr>
+    </a:lvl9pPr>
+  </p:notesStyle>
+</p:notesMaster>
+</file>
+
+<file path=ppt/notesSlides/notesSlide1.xml><?xml version="1.0" encoding="utf-8"?>
+<p:notes xmlns:a="http://schemas.openxmlformats.org/drawingml/2006/main" xmlns:r="http://schemas.openxmlformats.org/officeDocument/2006/relationships" xmlns:p="http://schemas.openxmlformats.org/presentationml/2006/main">
+  <p:cSld>
+    <p:spTree>
+      <p:nvGrpSpPr>
+        <p:cNvPr id="1" name=""/>
+        <p:cNvGrpSpPr/>
+        <p:nvPr/>
+      </p:nvGrpSpPr>
+      <p:grpSpPr>
+        <a:xfrm>
+          <a:off x="0" y="0"/>
+          <a:ext cx="0" cy="0"/>
+          <a:chOff x="0" y="0"/>
+          <a:chExt cx="0" cy="0"/>
+        </a:xfrm>
+      </p:grpSpPr>
+      <p:sp>
+        <p:nvSpPr>
+          <p:cNvPr id="2" name="Slide Image Placeholder 1"/>
+          <p:cNvSpPr>
+            <a:spLocks noGrp="1" noRot="1" noChangeAspect="1"/>
+          </p:cNvSpPr>
+          <p:nvPr>
+            <p:ph type="sldImg"/>
+          </p:nvPr>
+        </p:nvSpPr>
+        <p:spPr/>
+      </p:sp>
+      <p:sp>
+        <p:nvSpPr>
+          <p:cNvPr id="3" name="Notes Placeholder 2"/>
+          <p:cNvSpPr>
+            <a:spLocks noGrp="1"/>
+          </p:cNvSpPr>
+          <p:nvPr>
+            <p:ph type="body" idx="1"/>
+          </p:nvPr>
+        </p:nvSpPr>
+        <p:spPr/>
+        <p:txBody>
+          <a:bodyPr/>
+          <a:lstStyle/>
+          <a:p>
+            <a:pPr marL="0" marR="0" lvl="0" indent="0" algn="l" defTabSz="914400" rtl="0" eaLnBrk="1" fontAlgn="auto" latinLnBrk="0" hangingPunct="1">
+              <a:lnSpc>
+                <a:spcPct val="100000"/>
+              </a:lnSpc>
+              <a:spcBef>
+                <a:spcPts val="0"/>
+              </a:spcBef>
+              <a:spcAft>
+                <a:spcPts val="0"/>
+              </a:spcAft>
+              <a:buClrTx/>
+              <a:buSzTx/>
+              <a:buFontTx/>
+              <a:buNone/>
+              <a:tabLst/>
+              <a:defRPr/>
+            </a:pPr>
+            <a:r>
+              <a:rPr lang="en-US" sz="1200" kern="1200" dirty="0">
+                <a:solidFill>
+                  <a:schemeClr val="tx1"/>
+                </a:solidFill>
+                <a:effectLst/>
+                <a:latin typeface="+mn-lt"/>
+                <a:ea typeface="+mn-ea"/>
+                <a:cs typeface="+mn-cs"/>
+              </a:rPr>
+              <a:t>Task 1 - Calculate the number of applications, number of approved, and the number of used applications and visualize the trend over the submission date.</a:t>
+            </a:r>
+          </a:p>
+          <a:p>
+            <a:endParaRPr lang="en-US" dirty="0"/>
+          </a:p>
+        </p:txBody>
+      </p:sp>
+      <p:sp>
+        <p:nvSpPr>
+          <p:cNvPr id="4" name="Slide Number Placeholder 3"/>
+          <p:cNvSpPr>
+            <a:spLocks noGrp="1"/>
+          </p:cNvSpPr>
+          <p:nvPr>
+            <p:ph type="sldNum" sz="quarter" idx="5"/>
+          </p:nvPr>
+        </p:nvSpPr>
+        <p:spPr/>
+        <p:txBody>
+          <a:bodyPr/>
+          <a:lstStyle/>
+          <a:p>
+            <a:fld id="{C8F9AE81-6F82-DB46-922F-3FDE3A3678EC}" type="slidenum">
+              <a:rPr lang="en-US" smtClean="0"/>
+              <a:t>3</a:t>
+            </a:fld>
+            <a:endParaRPr lang="en-US"/>
+          </a:p>
+        </p:txBody>
+      </p:sp>
+    </p:spTree>
+    <p:extLst>
+      <p:ext uri="{BB962C8B-B14F-4D97-AF65-F5344CB8AC3E}">
+        <p14:creationId xmlns:p14="http://schemas.microsoft.com/office/powerpoint/2010/main" val="2188987705"/>
+      </p:ext>
+    </p:extLst>
+  </p:cSld>
+  <p:clrMapOvr>
+    <a:masterClrMapping/>
+  </p:clrMapOvr>
+</p:notes>
+</file>
+
+<file path=ppt/notesSlides/notesSlide2.xml><?xml version="1.0" encoding="utf-8"?>
+<p:notes xmlns:a="http://schemas.openxmlformats.org/drawingml/2006/main" xmlns:r="http://schemas.openxmlformats.org/officeDocument/2006/relationships" xmlns:p="http://schemas.openxmlformats.org/presentationml/2006/main">
+  <p:cSld>
+    <p:spTree>
+      <p:nvGrpSpPr>
+        <p:cNvPr id="1" name=""/>
+        <p:cNvGrpSpPr/>
+        <p:nvPr/>
+      </p:nvGrpSpPr>
+      <p:grpSpPr>
+        <a:xfrm>
+          <a:off x="0" y="0"/>
+          <a:ext cx="0" cy="0"/>
+          <a:chOff x="0" y="0"/>
+          <a:chExt cx="0" cy="0"/>
+        </a:xfrm>
+      </p:grpSpPr>
+      <p:sp>
+        <p:nvSpPr>
+          <p:cNvPr id="2" name="Slide Image Placeholder 1"/>
+          <p:cNvSpPr>
+            <a:spLocks noGrp="1" noRot="1" noChangeAspect="1"/>
+          </p:cNvSpPr>
+          <p:nvPr>
+            <p:ph type="sldImg"/>
+          </p:nvPr>
+        </p:nvSpPr>
+        <p:spPr/>
+      </p:sp>
+      <p:sp>
+        <p:nvSpPr>
+          <p:cNvPr id="3" name="Notes Placeholder 2"/>
+          <p:cNvSpPr>
+            <a:spLocks noGrp="1"/>
+          </p:cNvSpPr>
+          <p:nvPr>
+            <p:ph type="body" idx="1"/>
+          </p:nvPr>
+        </p:nvSpPr>
+        <p:spPr/>
+        <p:txBody>
+          <a:bodyPr/>
+          <a:lstStyle/>
+          <a:p>
+            <a:pPr marL="0" marR="0" lvl="0" indent="0" algn="l" defTabSz="914400" rtl="0" eaLnBrk="1" fontAlgn="auto" latinLnBrk="0" hangingPunct="1">
+              <a:lnSpc>
+                <a:spcPct val="100000"/>
+              </a:lnSpc>
+              <a:spcBef>
+                <a:spcPts val="0"/>
+              </a:spcBef>
+              <a:spcAft>
+                <a:spcPts val="0"/>
+              </a:spcAft>
+              <a:buClrTx/>
+              <a:buSzTx/>
+              <a:buFontTx/>
+              <a:buNone/>
+              <a:tabLst/>
+              <a:defRPr/>
+            </a:pPr>
+            <a:r>
+              <a:rPr lang="en-US" sz="1200" kern="1200" dirty="0">
+                <a:solidFill>
+                  <a:schemeClr val="tx1"/>
+                </a:solidFill>
+                <a:effectLst/>
+                <a:latin typeface="+mn-lt"/>
+                <a:ea typeface="+mn-ea"/>
+                <a:cs typeface="+mn-cs"/>
+              </a:rPr>
+              <a:t>Task 2 - Calculate the average of the approved amount and the average of the amount used and visualize the trend over the submission date.</a:t>
+            </a:r>
+          </a:p>
+          <a:p>
+            <a:endParaRPr lang="en-US" dirty="0"/>
+          </a:p>
+        </p:txBody>
+      </p:sp>
+      <p:sp>
+        <p:nvSpPr>
+          <p:cNvPr id="4" name="Slide Number Placeholder 3"/>
+          <p:cNvSpPr>
+            <a:spLocks noGrp="1"/>
+          </p:cNvSpPr>
+          <p:nvPr>
+            <p:ph type="sldNum" sz="quarter" idx="5"/>
+          </p:nvPr>
+        </p:nvSpPr>
+        <p:spPr/>
+        <p:txBody>
+          <a:bodyPr/>
+          <a:lstStyle/>
+          <a:p>
+            <a:fld id="{C8F9AE81-6F82-DB46-922F-3FDE3A3678EC}" type="slidenum">
+              <a:rPr lang="en-US" smtClean="0"/>
+              <a:t>4</a:t>
+            </a:fld>
+            <a:endParaRPr lang="en-US"/>
+          </a:p>
+        </p:txBody>
+      </p:sp>
+    </p:spTree>
+    <p:extLst>
+      <p:ext uri="{BB962C8B-B14F-4D97-AF65-F5344CB8AC3E}">
+        <p14:creationId xmlns:p14="http://schemas.microsoft.com/office/powerpoint/2010/main" val="2888535957"/>
+      </p:ext>
+    </p:extLst>
+  </p:cSld>
+  <p:clrMapOvr>
+    <a:masterClrMapping/>
+  </p:clrMapOvr>
+</p:notes>
+</file>
+
+<file path=ppt/notesSlides/notesSlide3.xml><?xml version="1.0" encoding="utf-8"?>
+<p:notes xmlns:a="http://schemas.openxmlformats.org/drawingml/2006/main" xmlns:r="http://schemas.openxmlformats.org/officeDocument/2006/relationships" xmlns:p="http://schemas.openxmlformats.org/presentationml/2006/main">
+  <p:cSld>
+    <p:spTree>
+      <p:nvGrpSpPr>
+        <p:cNvPr id="1" name=""/>
+        <p:cNvGrpSpPr/>
+        <p:nvPr/>
+      </p:nvGrpSpPr>
+      <p:grpSpPr>
+        <a:xfrm>
+          <a:off x="0" y="0"/>
+          <a:ext cx="0" cy="0"/>
+          <a:chOff x="0" y="0"/>
+          <a:chExt cx="0" cy="0"/>
+        </a:xfrm>
+      </p:grpSpPr>
+      <p:sp>
+        <p:nvSpPr>
+          <p:cNvPr id="2" name="Slide Image Placeholder 1"/>
+          <p:cNvSpPr>
+            <a:spLocks noGrp="1" noRot="1" noChangeAspect="1"/>
+          </p:cNvSpPr>
+          <p:nvPr>
+            <p:ph type="sldImg"/>
+          </p:nvPr>
+        </p:nvSpPr>
+        <p:spPr/>
+      </p:sp>
+      <p:sp>
+        <p:nvSpPr>
+          <p:cNvPr id="3" name="Notes Placeholder 2"/>
+          <p:cNvSpPr>
+            <a:spLocks noGrp="1"/>
+          </p:cNvSpPr>
+          <p:nvPr>
+            <p:ph type="body" idx="1"/>
+          </p:nvPr>
+        </p:nvSpPr>
+        <p:spPr/>
+        <p:txBody>
+          <a:bodyPr/>
+          <a:lstStyle/>
+          <a:p>
+            <a:pPr marL="0" marR="0" lvl="0" indent="0" algn="l" defTabSz="914400" rtl="0" eaLnBrk="1" fontAlgn="auto" latinLnBrk="0" hangingPunct="1">
+              <a:lnSpc>
+                <a:spcPct val="100000"/>
+              </a:lnSpc>
+              <a:spcBef>
+                <a:spcPts val="0"/>
+              </a:spcBef>
+              <a:spcAft>
+                <a:spcPts val="0"/>
+              </a:spcAft>
+              <a:buClrTx/>
+              <a:buSzTx/>
+              <a:buFontTx/>
+              <a:buNone/>
+              <a:tabLst/>
+              <a:defRPr/>
+            </a:pPr>
+            <a:r>
+              <a:rPr lang="en-US" sz="1200" kern="1200" dirty="0">
+                <a:solidFill>
+                  <a:schemeClr val="tx1"/>
+                </a:solidFill>
+                <a:effectLst/>
+                <a:latin typeface="+mn-lt"/>
+                <a:ea typeface="+mn-ea"/>
+                <a:cs typeface="+mn-cs"/>
+              </a:rPr>
+              <a:t>Task 3 - Create a table to show possible metrics (e.g. number of applications, number of approved, approved amount, number of used apps, used amount, percentages, </a:t>
+            </a:r>
+            <a:r>
+              <a:rPr lang="en-US" sz="1200" kern="1200" dirty="0" err="1">
+                <a:solidFill>
+                  <a:schemeClr val="tx1"/>
+                </a:solidFill>
+                <a:effectLst/>
+                <a:latin typeface="+mn-lt"/>
+                <a:ea typeface="+mn-ea"/>
+                <a:cs typeface="+mn-cs"/>
+              </a:rPr>
+              <a:t>etc</a:t>
+            </a:r>
+            <a:r>
+              <a:rPr lang="en-US" sz="1200" kern="1200" dirty="0">
+                <a:solidFill>
+                  <a:schemeClr val="tx1"/>
+                </a:solidFill>
+                <a:effectLst/>
+                <a:latin typeface="+mn-lt"/>
+                <a:ea typeface="+mn-ea"/>
+                <a:cs typeface="+mn-cs"/>
+              </a:rPr>
+              <a:t>) by store.</a:t>
+            </a:r>
+          </a:p>
+          <a:p>
+            <a:endParaRPr lang="en-US" dirty="0"/>
+          </a:p>
+        </p:txBody>
+      </p:sp>
+      <p:sp>
+        <p:nvSpPr>
+          <p:cNvPr id="4" name="Slide Number Placeholder 3"/>
+          <p:cNvSpPr>
+            <a:spLocks noGrp="1"/>
+          </p:cNvSpPr>
+          <p:nvPr>
+            <p:ph type="sldNum" sz="quarter" idx="5"/>
+          </p:nvPr>
+        </p:nvSpPr>
+        <p:spPr/>
+        <p:txBody>
+          <a:bodyPr/>
+          <a:lstStyle/>
+          <a:p>
+            <a:fld id="{C8F9AE81-6F82-DB46-922F-3FDE3A3678EC}" type="slidenum">
+              <a:rPr lang="en-US" smtClean="0"/>
+              <a:t>5</a:t>
+            </a:fld>
+            <a:endParaRPr lang="en-US"/>
+          </a:p>
+        </p:txBody>
+      </p:sp>
+    </p:spTree>
+    <p:extLst>
+      <p:ext uri="{BB962C8B-B14F-4D97-AF65-F5344CB8AC3E}">
+        <p14:creationId xmlns:p14="http://schemas.microsoft.com/office/powerpoint/2010/main" val="1941672296"/>
+      </p:ext>
+    </p:extLst>
+  </p:cSld>
+  <p:clrMapOvr>
+    <a:masterClrMapping/>
+  </p:clrMapOvr>
+</p:notes>
+</file>
+
+<file path=ppt/notesSlides/notesSlide4.xml><?xml version="1.0" encoding="utf-8"?>
+<p:notes xmlns:a="http://schemas.openxmlformats.org/drawingml/2006/main" xmlns:r="http://schemas.openxmlformats.org/officeDocument/2006/relationships" xmlns:p="http://schemas.openxmlformats.org/presentationml/2006/main">
+  <p:cSld>
+    <p:spTree>
+      <p:nvGrpSpPr>
+        <p:cNvPr id="1" name=""/>
+        <p:cNvGrpSpPr/>
+        <p:nvPr/>
+      </p:nvGrpSpPr>
+      <p:grpSpPr>
+        <a:xfrm>
+          <a:off x="0" y="0"/>
+          <a:ext cx="0" cy="0"/>
+          <a:chOff x="0" y="0"/>
+          <a:chExt cx="0" cy="0"/>
+        </a:xfrm>
+      </p:grpSpPr>
+      <p:sp>
+        <p:nvSpPr>
+          <p:cNvPr id="2" name="Slide Image Placeholder 1"/>
+          <p:cNvSpPr>
+            <a:spLocks noGrp="1" noRot="1" noChangeAspect="1"/>
+          </p:cNvSpPr>
+          <p:nvPr>
+            <p:ph type="sldImg"/>
+          </p:nvPr>
+        </p:nvSpPr>
+        <p:spPr/>
+      </p:sp>
+      <p:sp>
+        <p:nvSpPr>
+          <p:cNvPr id="3" name="Notes Placeholder 2"/>
+          <p:cNvSpPr>
+            <a:spLocks noGrp="1"/>
+          </p:cNvSpPr>
+          <p:nvPr>
+            <p:ph type="body" idx="1"/>
+          </p:nvPr>
+        </p:nvSpPr>
+        <p:spPr/>
+        <p:txBody>
+          <a:bodyPr/>
+          <a:lstStyle/>
+          <a:p>
+            <a:pPr marL="0" marR="0" lvl="0" indent="0" algn="l" defTabSz="914400" rtl="0" eaLnBrk="1" fontAlgn="auto" latinLnBrk="0" hangingPunct="1">
+              <a:lnSpc>
+                <a:spcPct val="100000"/>
+              </a:lnSpc>
+              <a:spcBef>
+                <a:spcPts val="0"/>
+              </a:spcBef>
+              <a:spcAft>
+                <a:spcPts val="0"/>
+              </a:spcAft>
+              <a:buClrTx/>
+              <a:buSzTx/>
+              <a:buFontTx/>
+              <a:buNone/>
+              <a:tabLst/>
+              <a:defRPr/>
+            </a:pPr>
+            <a:r>
+              <a:rPr lang="en-US" sz="1200" kern="1200" dirty="0">
+                <a:solidFill>
+                  <a:schemeClr val="tx1"/>
+                </a:solidFill>
+                <a:effectLst/>
+                <a:latin typeface="+mn-lt"/>
+                <a:ea typeface="+mn-ea"/>
+                <a:cs typeface="+mn-cs"/>
+              </a:rPr>
+              <a:t>Task 4 - Create a view with a graph to compare the used dollars amount and spend amount by Marketing name.</a:t>
+            </a:r>
+          </a:p>
+          <a:p>
+            <a:endParaRPr lang="en-US" dirty="0"/>
+          </a:p>
+        </p:txBody>
+      </p:sp>
+      <p:sp>
+        <p:nvSpPr>
+          <p:cNvPr id="4" name="Slide Number Placeholder 3"/>
+          <p:cNvSpPr>
+            <a:spLocks noGrp="1"/>
+          </p:cNvSpPr>
+          <p:nvPr>
+            <p:ph type="sldNum" sz="quarter" idx="5"/>
+          </p:nvPr>
+        </p:nvSpPr>
+        <p:spPr/>
+        <p:txBody>
+          <a:bodyPr/>
+          <a:lstStyle/>
+          <a:p>
+            <a:fld id="{C8F9AE81-6F82-DB46-922F-3FDE3A3678EC}" type="slidenum">
+              <a:rPr lang="en-US" smtClean="0"/>
+              <a:t>6</a:t>
+            </a:fld>
+            <a:endParaRPr lang="en-US"/>
+          </a:p>
+        </p:txBody>
+      </p:sp>
+    </p:spTree>
+    <p:extLst>
+      <p:ext uri="{BB962C8B-B14F-4D97-AF65-F5344CB8AC3E}">
+        <p14:creationId xmlns:p14="http://schemas.microsoft.com/office/powerpoint/2010/main" val="3907743638"/>
+      </p:ext>
+    </p:extLst>
+  </p:cSld>
+  <p:clrMapOvr>
+    <a:masterClrMapping/>
+  </p:clrMapOvr>
+</p:notes>
+</file>
+
+<file path=ppt/notesSlides/notesSlide5.xml><?xml version="1.0" encoding="utf-8"?>
+<p:notes xmlns:a="http://schemas.openxmlformats.org/drawingml/2006/main" xmlns:r="http://schemas.openxmlformats.org/officeDocument/2006/relationships" xmlns:p="http://schemas.openxmlformats.org/presentationml/2006/main">
+  <p:cSld>
+    <p:spTree>
+      <p:nvGrpSpPr>
+        <p:cNvPr id="1" name=""/>
+        <p:cNvGrpSpPr/>
+        <p:nvPr/>
+      </p:nvGrpSpPr>
+      <p:grpSpPr>
+        <a:xfrm>
+          <a:off x="0" y="0"/>
+          <a:ext cx="0" cy="0"/>
+          <a:chOff x="0" y="0"/>
+          <a:chExt cx="0" cy="0"/>
+        </a:xfrm>
+      </p:grpSpPr>
+      <p:sp>
+        <p:nvSpPr>
+          <p:cNvPr id="2" name="Slide Image Placeholder 1"/>
+          <p:cNvSpPr>
+            <a:spLocks noGrp="1" noRot="1" noChangeAspect="1"/>
+          </p:cNvSpPr>
+          <p:nvPr>
+            <p:ph type="sldImg"/>
+          </p:nvPr>
+        </p:nvSpPr>
+        <p:spPr/>
+      </p:sp>
+      <p:sp>
+        <p:nvSpPr>
+          <p:cNvPr id="3" name="Notes Placeholder 2"/>
+          <p:cNvSpPr>
+            <a:spLocks noGrp="1"/>
+          </p:cNvSpPr>
+          <p:nvPr>
+            <p:ph type="body" idx="1"/>
+          </p:nvPr>
+        </p:nvSpPr>
+        <p:spPr/>
+        <p:txBody>
+          <a:bodyPr/>
+          <a:lstStyle/>
+          <a:p>
+            <a:pPr marL="0" marR="0" lvl="0" indent="0" algn="l" defTabSz="914400" rtl="0" eaLnBrk="1" fontAlgn="auto" latinLnBrk="0" hangingPunct="1">
+              <a:lnSpc>
+                <a:spcPct val="100000"/>
+              </a:lnSpc>
+              <a:spcBef>
+                <a:spcPts val="0"/>
+              </a:spcBef>
+              <a:spcAft>
+                <a:spcPts val="0"/>
+              </a:spcAft>
+              <a:buClrTx/>
+              <a:buSzTx/>
+              <a:buFontTx/>
+              <a:buNone/>
+              <a:tabLst/>
+              <a:defRPr/>
+            </a:pPr>
+            <a:r>
+              <a:rPr lang="en-US" sz="1200" kern="1200" dirty="0">
+                <a:solidFill>
+                  <a:schemeClr val="tx1"/>
+                </a:solidFill>
+                <a:effectLst/>
+                <a:latin typeface="+mn-lt"/>
+                <a:ea typeface="+mn-ea"/>
+                <a:cs typeface="+mn-cs"/>
+              </a:rPr>
+              <a:t>Task 5 - Come up with something interesting with the data to share with us. Keep in mind this is randomly generated sample data so trends may or may not be present, but don’t let that hold you back.</a:t>
+            </a:r>
+          </a:p>
+          <a:p>
+            <a:endParaRPr lang="en-US" dirty="0"/>
+          </a:p>
+        </p:txBody>
+      </p:sp>
+      <p:sp>
+        <p:nvSpPr>
+          <p:cNvPr id="4" name="Slide Number Placeholder 3"/>
+          <p:cNvSpPr>
+            <a:spLocks noGrp="1"/>
+          </p:cNvSpPr>
+          <p:nvPr>
+            <p:ph type="sldNum" sz="quarter" idx="5"/>
+          </p:nvPr>
+        </p:nvSpPr>
+        <p:spPr/>
+        <p:txBody>
+          <a:bodyPr/>
+          <a:lstStyle/>
+          <a:p>
+            <a:fld id="{C8F9AE81-6F82-DB46-922F-3FDE3A3678EC}" type="slidenum">
+              <a:rPr lang="en-US" smtClean="0"/>
+              <a:t>7</a:t>
+            </a:fld>
+            <a:endParaRPr lang="en-US"/>
+          </a:p>
+        </p:txBody>
+      </p:sp>
+    </p:spTree>
+    <p:extLst>
+      <p:ext uri="{BB962C8B-B14F-4D97-AF65-F5344CB8AC3E}">
+        <p14:creationId xmlns:p14="http://schemas.microsoft.com/office/powerpoint/2010/main" val="3266055687"/>
+      </p:ext>
+    </p:extLst>
+  </p:cSld>
+  <p:clrMapOvr>
+    <a:masterClrMapping/>
+  </p:clrMapOvr>
+</p:notes>
 </file>
 
 <file path=ppt/slideLayouts/slideLayout1.xml><?xml version="1.0" encoding="utf-8"?>
@@ -5185,7 +5595,7 @@
           <a:p>
             <a:fld id="{4AEC3EAF-974A-2043-82F0-50BEE941BB96}" type="datetimeFigureOut">
               <a:rPr lang="en-US" smtClean="0"/>
-              <a:t>12/29/25</a:t>
+              <a:t>12/30/25</a:t>
             </a:fld>
             <a:endParaRPr lang="en-US"/>
           </a:p>
@@ -5355,7 +5765,7 @@
           <a:p>
             <a:fld id="{4AEC3EAF-974A-2043-82F0-50BEE941BB96}" type="datetimeFigureOut">
               <a:rPr lang="en-US" smtClean="0"/>
-              <a:t>12/29/25</a:t>
+              <a:t>12/30/25</a:t>
             </a:fld>
             <a:endParaRPr lang="en-US"/>
           </a:p>
@@ -5535,7 +5945,7 @@
           <a:p>
             <a:fld id="{4AEC3EAF-974A-2043-82F0-50BEE941BB96}" type="datetimeFigureOut">
               <a:rPr lang="en-US" smtClean="0"/>
-              <a:t>12/29/25</a:t>
+              <a:t>12/30/25</a:t>
             </a:fld>
             <a:endParaRPr lang="en-US"/>
           </a:p>
@@ -5705,7 +6115,7 @@
           <a:p>
             <a:fld id="{4AEC3EAF-974A-2043-82F0-50BEE941BB96}" type="datetimeFigureOut">
               <a:rPr lang="en-US" smtClean="0"/>
-              <a:t>12/29/25</a:t>
+              <a:t>12/30/25</a:t>
             </a:fld>
             <a:endParaRPr lang="en-US"/>
           </a:p>
@@ -5951,7 +6361,7 @@
           <a:p>
             <a:fld id="{4AEC3EAF-974A-2043-82F0-50BEE941BB96}" type="datetimeFigureOut">
               <a:rPr lang="en-US" smtClean="0"/>
-              <a:t>12/29/25</a:t>
+              <a:t>12/30/25</a:t>
             </a:fld>
             <a:endParaRPr lang="en-US"/>
           </a:p>
@@ -6183,7 +6593,7 @@
           <a:p>
             <a:fld id="{4AEC3EAF-974A-2043-82F0-50BEE941BB96}" type="datetimeFigureOut">
               <a:rPr lang="en-US" smtClean="0"/>
-              <a:t>12/29/25</a:t>
+              <a:t>12/30/25</a:t>
             </a:fld>
             <a:endParaRPr lang="en-US"/>
           </a:p>
@@ -6550,7 +6960,7 @@
           <a:p>
             <a:fld id="{4AEC3EAF-974A-2043-82F0-50BEE941BB96}" type="datetimeFigureOut">
               <a:rPr lang="en-US" smtClean="0"/>
-              <a:t>12/29/25</a:t>
+              <a:t>12/30/25</a:t>
             </a:fld>
             <a:endParaRPr lang="en-US"/>
           </a:p>
@@ -6668,7 +7078,7 @@
           <a:p>
             <a:fld id="{4AEC3EAF-974A-2043-82F0-50BEE941BB96}" type="datetimeFigureOut">
               <a:rPr lang="en-US" smtClean="0"/>
-              <a:t>12/29/25</a:t>
+              <a:t>12/30/25</a:t>
             </a:fld>
             <a:endParaRPr lang="en-US"/>
           </a:p>
@@ -6763,7 +7173,7 @@
           <a:p>
             <a:fld id="{4AEC3EAF-974A-2043-82F0-50BEE941BB96}" type="datetimeFigureOut">
               <a:rPr lang="en-US" smtClean="0"/>
-              <a:t>12/29/25</a:t>
+              <a:t>12/30/25</a:t>
             </a:fld>
             <a:endParaRPr lang="en-US"/>
           </a:p>
@@ -7040,7 +7450,7 @@
           <a:p>
             <a:fld id="{4AEC3EAF-974A-2043-82F0-50BEE941BB96}" type="datetimeFigureOut">
               <a:rPr lang="en-US" smtClean="0"/>
-              <a:t>12/29/25</a:t>
+              <a:t>12/30/25</a:t>
             </a:fld>
             <a:endParaRPr lang="en-US"/>
           </a:p>
@@ -7297,7 +7707,7 @@
           <a:p>
             <a:fld id="{4AEC3EAF-974A-2043-82F0-50BEE941BB96}" type="datetimeFigureOut">
               <a:rPr lang="en-US" smtClean="0"/>
-              <a:t>12/29/25</a:t>
+              <a:t>12/30/25</a:t>
             </a:fld>
             <a:endParaRPr lang="en-US"/>
           </a:p>
@@ -7510,7 +7920,7 @@
           <a:p>
             <a:fld id="{4AEC3EAF-974A-2043-82F0-50BEE941BB96}" type="datetimeFigureOut">
               <a:rPr lang="en-US" smtClean="0"/>
-              <a:t>12/29/25</a:t>
+              <a:t>12/30/25</a:t>
             </a:fld>
             <a:endParaRPr lang="en-US"/>
           </a:p>
@@ -8350,7 +8760,7 @@
             </a:br>
             <a:r>
               <a:rPr lang="en-US" sz="2000" dirty="0"/>
-              <a:t>Applications, Approved Applications, and Used Applications have remained stable from January 2022 through December 2023.</a:t>
+              <a:t>Applications, Approved Applications, and Used Applications have remained stable from January 2022 through December 2023, which allows for confident planning and forecasting</a:t>
             </a:r>
           </a:p>
         </p:txBody>
@@ -8382,7 +8792,7 @@
         </p:xfrm>
         <a:graphic>
           <a:graphicData uri="http://schemas.openxmlformats.org/drawingml/2006/chart">
-            <c:chart xmlns:c="http://schemas.openxmlformats.org/drawingml/2006/chart" xmlns:r="http://schemas.openxmlformats.org/officeDocument/2006/relationships" r:id="rId2"/>
+            <c:chart xmlns:c="http://schemas.openxmlformats.org/drawingml/2006/chart" xmlns:r="http://schemas.openxmlformats.org/officeDocument/2006/relationships" r:id="rId3"/>
           </a:graphicData>
         </a:graphic>
       </p:graphicFrame>
@@ -8481,7 +8891,7 @@
         </p:xfrm>
         <a:graphic>
           <a:graphicData uri="http://schemas.openxmlformats.org/drawingml/2006/chart">
-            <c:chart xmlns:c="http://schemas.openxmlformats.org/drawingml/2006/chart" xmlns:r="http://schemas.openxmlformats.org/officeDocument/2006/relationships" r:id="rId2"/>
+            <c:chart xmlns:c="http://schemas.openxmlformats.org/drawingml/2006/chart" xmlns:r="http://schemas.openxmlformats.org/officeDocument/2006/relationships" r:id="rId3"/>
           </a:graphicData>
         </a:graphic>
       </p:graphicFrame>
@@ -10497,7 +10907,7 @@
         </p:xfrm>
         <a:graphic>
           <a:graphicData uri="http://schemas.openxmlformats.org/drawingml/2006/chart">
-            <c:chart xmlns:c="http://schemas.openxmlformats.org/drawingml/2006/chart" xmlns:r="http://schemas.openxmlformats.org/officeDocument/2006/relationships" r:id="rId2"/>
+            <c:chart xmlns:c="http://schemas.openxmlformats.org/drawingml/2006/chart" xmlns:r="http://schemas.openxmlformats.org/officeDocument/2006/relationships" r:id="rId3"/>
           </a:graphicData>
         </a:graphic>
       </p:graphicFrame>
@@ -10596,7 +11006,7 @@
         </p:xfrm>
         <a:graphic>
           <a:graphicData uri="http://schemas.openxmlformats.org/drawingml/2006/chart">
-            <c:chart xmlns:c="http://schemas.openxmlformats.org/drawingml/2006/chart" xmlns:r="http://schemas.openxmlformats.org/officeDocument/2006/relationships" r:id="rId2"/>
+            <c:chart xmlns:c="http://schemas.openxmlformats.org/drawingml/2006/chart" xmlns:r="http://schemas.openxmlformats.org/officeDocument/2006/relationships" r:id="rId3"/>
           </a:graphicData>
         </a:graphic>
       </p:graphicFrame>
@@ -10604,6 +11014,187 @@
     <p:extLst>
       <p:ext uri="{BB962C8B-B14F-4D97-AF65-F5344CB8AC3E}">
         <p14:creationId xmlns:p14="http://schemas.microsoft.com/office/powerpoint/2010/main" val="2826861181"/>
+      </p:ext>
+    </p:extLst>
+  </p:cSld>
+  <p:clrMapOvr>
+    <a:masterClrMapping/>
+  </p:clrMapOvr>
+</p:sld>
+</file>
+
+<file path=ppt/slides/slide8.xml><?xml version="1.0" encoding="utf-8"?>
+<p:sld xmlns:a="http://schemas.openxmlformats.org/drawingml/2006/main" xmlns:r="http://schemas.openxmlformats.org/officeDocument/2006/relationships" xmlns:p="http://schemas.openxmlformats.org/presentationml/2006/main">
+  <p:cSld>
+    <p:spTree>
+      <p:nvGrpSpPr>
+        <p:cNvPr id="1" name=""/>
+        <p:cNvGrpSpPr/>
+        <p:nvPr/>
+      </p:nvGrpSpPr>
+      <p:grpSpPr>
+        <a:xfrm>
+          <a:off x="0" y="0"/>
+          <a:ext cx="0" cy="0"/>
+          <a:chOff x="0" y="0"/>
+          <a:chExt cx="0" cy="0"/>
+        </a:xfrm>
+      </p:grpSpPr>
+      <p:sp>
+        <p:nvSpPr>
+          <p:cNvPr id="3" name="Content Placeholder 2">
+            <a:extLst>
+              <a:ext uri="{FF2B5EF4-FFF2-40B4-BE49-F238E27FC236}">
+                <a16:creationId xmlns:a16="http://schemas.microsoft.com/office/drawing/2014/main" id="{AD1D089A-F4AB-B6E8-79C5-99FE4D441121}"/>
+              </a:ext>
+            </a:extLst>
+          </p:cNvPr>
+          <p:cNvSpPr>
+            <a:spLocks noGrp="1"/>
+          </p:cNvSpPr>
+          <p:nvPr>
+            <p:ph idx="1"/>
+          </p:nvPr>
+        </p:nvSpPr>
+        <p:spPr>
+          <a:xfrm>
+            <a:off x="838200" y="960120"/>
+            <a:ext cx="10515600" cy="4937759"/>
+          </a:xfrm>
+        </p:spPr>
+        <p:txBody>
+          <a:bodyPr>
+            <a:normAutofit fontScale="70000" lnSpcReduction="20000"/>
+          </a:bodyPr>
+          <a:lstStyle/>
+          <a:p>
+            <a:pPr marL="0" indent="0">
+              <a:buNone/>
+            </a:pPr>
+            <a:r>
+              <a:rPr lang="en-US" sz="3600" b="1" dirty="0">
+                <a:latin typeface="+mj-lt"/>
+              </a:rPr>
+              <a:t>What We Learned</a:t>
+            </a:r>
+          </a:p>
+          <a:p>
+            <a:r>
+              <a:rPr lang="en-US" dirty="0">
+                <a:latin typeface="+mj-lt"/>
+              </a:rPr>
+              <a:t>Application, approval, and usage volumes remained stable from Jan 2022–Dec 2023, indicating consistent demand.</a:t>
+            </a:r>
+          </a:p>
+          <a:p>
+            <a:r>
+              <a:rPr lang="en-US" dirty="0">
+                <a:latin typeface="+mj-lt"/>
+              </a:rPr>
+              <a:t>Approved customers who used funds consistently utilized ~50–54% of their approved amounts.</a:t>
+            </a:r>
+          </a:p>
+          <a:p>
+            <a:r>
+              <a:rPr lang="en-US" dirty="0">
+                <a:latin typeface="+mj-lt"/>
+              </a:rPr>
+              <a:t>Store-level performance varies meaningfully, with usage rates ranging from ~36% to ~60%.</a:t>
+            </a:r>
+          </a:p>
+          <a:p>
+            <a:r>
+              <a:rPr lang="en-US" dirty="0">
+                <a:latin typeface="+mj-lt"/>
+              </a:rPr>
+              <a:t>Only three marketing strategies (Referral, Facebook, Instagram) generated positive ROI.</a:t>
+            </a:r>
+          </a:p>
+          <a:p>
+            <a:pPr marL="0" indent="0">
+              <a:buNone/>
+            </a:pPr>
+            <a:r>
+              <a:rPr lang="en-US" sz="3700" b="1" dirty="0">
+                <a:latin typeface="+mj-lt"/>
+              </a:rPr>
+              <a:t>Why It </a:t>
+            </a:r>
+            <a:r>
+              <a:rPr lang="en-US" sz="3600" b="1" dirty="0">
+                <a:latin typeface="+mj-lt"/>
+              </a:rPr>
+              <a:t>Matters</a:t>
+            </a:r>
+          </a:p>
+          <a:p>
+            <a:r>
+              <a:rPr lang="en-US" dirty="0">
+                <a:latin typeface="+mj-lt"/>
+              </a:rPr>
+              <a:t>Demand stability enables reliable forecasting and capacity planning.</a:t>
+            </a:r>
+          </a:p>
+          <a:p>
+            <a:r>
+              <a:rPr lang="en-US" dirty="0">
+                <a:latin typeface="+mj-lt"/>
+              </a:rPr>
+              <a:t>Store-level variance suggests operational practices materially impact conversion.</a:t>
+            </a:r>
+          </a:p>
+          <a:p>
+            <a:r>
+              <a:rPr lang="en-US" dirty="0">
+                <a:latin typeface="+mj-lt"/>
+              </a:rPr>
+              <a:t>Marketing efficiency can be improved by reallocating spend away from negative-ROI channels.</a:t>
+            </a:r>
+          </a:p>
+          <a:p>
+            <a:pPr marL="0" indent="0">
+              <a:buNone/>
+            </a:pPr>
+            <a:r>
+              <a:rPr lang="en-US" sz="3600" b="1" dirty="0">
+                <a:latin typeface="+mj-lt"/>
+              </a:rPr>
+              <a:t>Recommended Next Steps</a:t>
+            </a:r>
+          </a:p>
+          <a:p>
+            <a:r>
+              <a:rPr lang="en-US" dirty="0">
+                <a:latin typeface="+mj-lt"/>
+              </a:rPr>
+              <a:t>Identify and replicate best practices from top-performing stores.</a:t>
+            </a:r>
+          </a:p>
+          <a:p>
+            <a:r>
+              <a:rPr lang="en-US" dirty="0">
+                <a:latin typeface="+mj-lt"/>
+              </a:rPr>
+              <a:t>Investigate drivers of partial utilization among approved customers.</a:t>
+            </a:r>
+          </a:p>
+          <a:p>
+            <a:r>
+              <a:rPr lang="en-US" dirty="0">
+                <a:latin typeface="+mj-lt"/>
+              </a:rPr>
+              <a:t>Reassess underperforming marketing channels and prioritize proven strategies.</a:t>
+            </a:r>
+          </a:p>
+          <a:p>
+            <a:endParaRPr lang="en-US" dirty="0"/>
+          </a:p>
+        </p:txBody>
+      </p:sp>
+    </p:spTree>
+    <p:extLst>
+      <p:ext uri="{BB962C8B-B14F-4D97-AF65-F5344CB8AC3E}">
+        <p14:creationId xmlns:p14="http://schemas.microsoft.com/office/powerpoint/2010/main" val="4169677314"/>
       </p:ext>
     </p:extLst>
   </p:cSld>
@@ -10872,4 +11463,319 @@
     </a:ext>
   </a:extLst>
 </a:theme>
+</file>
+
+<file path=ppt/theme/theme2.xml><?xml version="1.0" encoding="utf-8"?>
+<a:theme xmlns:a="http://schemas.openxmlformats.org/drawingml/2006/main" name="Office Theme">
+  <a:themeElements>
+    <a:clrScheme name="Office">
+      <a:dk1>
+        <a:sysClr val="windowText" lastClr="000000"/>
+      </a:dk1>
+      <a:lt1>
+        <a:sysClr val="window" lastClr="FFFFFF"/>
+      </a:lt1>
+      <a:dk2>
+        <a:srgbClr val="0E2841"/>
+      </a:dk2>
+      <a:lt2>
+        <a:srgbClr val="E8E8E8"/>
+      </a:lt2>
+      <a:accent1>
+        <a:srgbClr val="156082"/>
+      </a:accent1>
+      <a:accent2>
+        <a:srgbClr val="E97132"/>
+      </a:accent2>
+      <a:accent3>
+        <a:srgbClr val="196B24"/>
+      </a:accent3>
+      <a:accent4>
+        <a:srgbClr val="0F9ED5"/>
+      </a:accent4>
+      <a:accent5>
+        <a:srgbClr val="A02B93"/>
+      </a:accent5>
+      <a:accent6>
+        <a:srgbClr val="4EA72E"/>
+      </a:accent6>
+      <a:hlink>
+        <a:srgbClr val="467886"/>
+      </a:hlink>
+      <a:folHlink>
+        <a:srgbClr val="96607D"/>
+      </a:folHlink>
+    </a:clrScheme>
+    <a:fontScheme name="Office">
+      <a:majorFont>
+        <a:latin typeface="Aptos Display" panose="02110004020202020204"/>
+        <a:ea typeface=""/>
+        <a:cs typeface=""/>
+        <a:font script="Jpan" typeface="游ゴシック Light"/>
+        <a:font script="Hang" typeface="맑은 고딕"/>
+        <a:font script="Hans" typeface="等线 Light"/>
+        <a:font script="Hant" typeface="新細明體"/>
+        <a:font script="Arab" typeface="Times New Roman"/>
+        <a:font script="Hebr" typeface="Times New Roman"/>
+        <a:font script="Thai" typeface="Angsana New"/>
+        <a:font script="Ethi" typeface="Nyala"/>
+        <a:font script="Beng" typeface="Vrinda"/>
+        <a:font script="Gujr" typeface="Shruti"/>
+        <a:font script="Khmr" typeface="MoolBoran"/>
+        <a:font script="Knda" typeface="Tunga"/>
+        <a:font script="Guru" typeface="Raavi"/>
+        <a:font script="Cans" typeface="Euphemia"/>
+        <a:font script="Cher" typeface="Plantagenet Cherokee"/>
+        <a:font script="Yiii" typeface="Microsoft Yi Baiti"/>
+        <a:font script="Tibt" typeface="Microsoft Himalaya"/>
+        <a:font script="Thaa" typeface="MV Boli"/>
+        <a:font script="Deva" typeface="Mangal"/>
+        <a:font script="Telu" typeface="Gautami"/>
+        <a:font script="Taml" typeface="Latha"/>
+        <a:font script="Syrc" typeface="Estrangelo Edessa"/>
+        <a:font script="Orya" typeface="Kalinga"/>
+        <a:font script="Mlym" typeface="Kartika"/>
+        <a:font script="Laoo" typeface="DokChampa"/>
+        <a:font script="Sinh" typeface="Iskoola Pota"/>
+        <a:font script="Mong" typeface="Mongolian Baiti"/>
+        <a:font script="Viet" typeface="Times New Roman"/>
+        <a:font script="Uigh" typeface="Microsoft Uighur"/>
+        <a:font script="Geor" typeface="Sylfaen"/>
+        <a:font script="Armn" typeface="Arial"/>
+        <a:font script="Bugi" typeface="Leelawadee UI"/>
+        <a:font script="Bopo" typeface="Microsoft JhengHei"/>
+        <a:font script="Java" typeface="Javanese Text"/>
+        <a:font script="Lisu" typeface="Segoe UI"/>
+        <a:font script="Mymr" typeface="Myanmar Text"/>
+        <a:font script="Nkoo" typeface="Ebrima"/>
+        <a:font script="Olck" typeface="Nirmala UI"/>
+        <a:font script="Osma" typeface="Ebrima"/>
+        <a:font script="Phag" typeface="Phagspa"/>
+        <a:font script="Syrn" typeface="Estrangelo Edessa"/>
+        <a:font script="Syrj" typeface="Estrangelo Edessa"/>
+        <a:font script="Syre" typeface="Estrangelo Edessa"/>
+        <a:font script="Sora" typeface="Nirmala UI"/>
+        <a:font script="Tale" typeface="Microsoft Tai Le"/>
+        <a:font script="Talu" typeface="Microsoft New Tai Lue"/>
+        <a:font script="Tfng" typeface="Ebrima"/>
+      </a:majorFont>
+      <a:minorFont>
+        <a:latin typeface="Aptos" panose="02110004020202020204"/>
+        <a:ea typeface=""/>
+        <a:cs typeface=""/>
+        <a:font script="Jpan" typeface="游ゴシック"/>
+        <a:font script="Hang" typeface="맑은 고딕"/>
+        <a:font script="Hans" typeface="等线"/>
+        <a:font script="Hant" typeface="新細明體"/>
+        <a:font script="Arab" typeface="Arial"/>
+        <a:font script="Hebr" typeface="Arial"/>
+        <a:font script="Thai" typeface="Cordia New"/>
+        <a:font script="Ethi" typeface="Nyala"/>
+        <a:font script="Beng" typeface="Vrinda"/>
+        <a:font script="Gujr" typeface="Shruti"/>
+        <a:font script="Khmr" typeface="DaunPenh"/>
+        <a:font script="Knda" typeface="Tunga"/>
+        <a:font script="Guru" typeface="Raavi"/>
+        <a:font script="Cans" typeface="Euphemia"/>
+        <a:font script="Cher" typeface="Plantagenet Cherokee"/>
+        <a:font script="Yiii" typeface="Microsoft Yi Baiti"/>
+        <a:font script="Tibt" typeface="Microsoft Himalaya"/>
+        <a:font script="Thaa" typeface="MV Boli"/>
+        <a:font script="Deva" typeface="Mangal"/>
+        <a:font script="Telu" typeface="Gautami"/>
+        <a:font script="Taml" typeface="Latha"/>
+        <a:font script="Syrc" typeface="Estrangelo Edessa"/>
+        <a:font script="Orya" typeface="Kalinga"/>
+        <a:font script="Mlym" typeface="Kartika"/>
+        <a:font script="Laoo" typeface="DokChampa"/>
+        <a:font script="Sinh" typeface="Iskoola Pota"/>
+        <a:font script="Mong" typeface="Mongolian Baiti"/>
+        <a:font script="Viet" typeface="Arial"/>
+        <a:font script="Uigh" typeface="Microsoft Uighur"/>
+        <a:font script="Geor" typeface="Sylfaen"/>
+        <a:font script="Armn" typeface="Arial"/>
+        <a:font script="Bugi" typeface="Leelawadee UI"/>
+        <a:font script="Bopo" typeface="Microsoft JhengHei"/>
+        <a:font script="Java" typeface="Javanese Text"/>
+        <a:font script="Lisu" typeface="Segoe UI"/>
+        <a:font script="Mymr" typeface="Myanmar Text"/>
+        <a:font script="Nkoo" typeface="Ebrima"/>
+        <a:font script="Olck" typeface="Nirmala UI"/>
+        <a:font script="Osma" typeface="Ebrima"/>
+        <a:font script="Phag" typeface="Phagspa"/>
+        <a:font script="Syrn" typeface="Estrangelo Edessa"/>
+        <a:font script="Syrj" typeface="Estrangelo Edessa"/>
+        <a:font script="Syre" typeface="Estrangelo Edessa"/>
+        <a:font script="Sora" typeface="Nirmala UI"/>
+        <a:font script="Tale" typeface="Microsoft Tai Le"/>
+        <a:font script="Talu" typeface="Microsoft New Tai Lue"/>
+        <a:font script="Tfng" typeface="Ebrima"/>
+      </a:minorFont>
+    </a:fontScheme>
+    <a:fmtScheme name="Office">
+      <a:fillStyleLst>
+        <a:solidFill>
+          <a:schemeClr val="phClr"/>
+        </a:solidFill>
+        <a:gradFill rotWithShape="1">
+          <a:gsLst>
+            <a:gs pos="0">
+              <a:schemeClr val="phClr">
+                <a:lumMod val="110000"/>
+                <a:satMod val="105000"/>
+                <a:tint val="67000"/>
+              </a:schemeClr>
+            </a:gs>
+            <a:gs pos="50000">
+              <a:schemeClr val="phClr">
+                <a:lumMod val="105000"/>
+                <a:satMod val="103000"/>
+                <a:tint val="73000"/>
+              </a:schemeClr>
+            </a:gs>
+            <a:gs pos="100000">
+              <a:schemeClr val="phClr">
+                <a:lumMod val="105000"/>
+                <a:satMod val="109000"/>
+                <a:tint val="81000"/>
+              </a:schemeClr>
+            </a:gs>
+          </a:gsLst>
+          <a:lin ang="5400000" scaled="0"/>
+        </a:gradFill>
+        <a:gradFill rotWithShape="1">
+          <a:gsLst>
+            <a:gs pos="0">
+              <a:schemeClr val="phClr">
+                <a:satMod val="103000"/>
+                <a:lumMod val="102000"/>
+                <a:tint val="94000"/>
+              </a:schemeClr>
+            </a:gs>
+            <a:gs pos="50000">
+              <a:schemeClr val="phClr">
+                <a:satMod val="110000"/>
+                <a:lumMod val="100000"/>
+                <a:shade val="100000"/>
+              </a:schemeClr>
+            </a:gs>
+            <a:gs pos="100000">
+              <a:schemeClr val="phClr">
+                <a:lumMod val="99000"/>
+                <a:satMod val="120000"/>
+                <a:shade val="78000"/>
+              </a:schemeClr>
+            </a:gs>
+          </a:gsLst>
+          <a:lin ang="5400000" scaled="0"/>
+        </a:gradFill>
+      </a:fillStyleLst>
+      <a:lnStyleLst>
+        <a:ln w="12700" cap="flat" cmpd="sng" algn="ctr">
+          <a:solidFill>
+            <a:schemeClr val="phClr"/>
+          </a:solidFill>
+          <a:prstDash val="solid"/>
+          <a:miter lim="800000"/>
+        </a:ln>
+        <a:ln w="19050" cap="flat" cmpd="sng" algn="ctr">
+          <a:solidFill>
+            <a:schemeClr val="phClr"/>
+          </a:solidFill>
+          <a:prstDash val="solid"/>
+          <a:miter lim="800000"/>
+        </a:ln>
+        <a:ln w="25400" cap="flat" cmpd="sng" algn="ctr">
+          <a:solidFill>
+            <a:schemeClr val="phClr"/>
+          </a:solidFill>
+          <a:prstDash val="solid"/>
+          <a:miter lim="800000"/>
+        </a:ln>
+      </a:lnStyleLst>
+      <a:effectStyleLst>
+        <a:effectStyle>
+          <a:effectLst/>
+        </a:effectStyle>
+        <a:effectStyle>
+          <a:effectLst/>
+        </a:effectStyle>
+        <a:effectStyle>
+          <a:effectLst>
+            <a:outerShdw blurRad="57150" dist="19050" dir="5400000" algn="ctr" rotWithShape="0">
+              <a:srgbClr val="000000">
+                <a:alpha val="63000"/>
+              </a:srgbClr>
+            </a:outerShdw>
+          </a:effectLst>
+        </a:effectStyle>
+      </a:effectStyleLst>
+      <a:bgFillStyleLst>
+        <a:solidFill>
+          <a:schemeClr val="phClr"/>
+        </a:solidFill>
+        <a:solidFill>
+          <a:schemeClr val="phClr">
+            <a:tint val="95000"/>
+            <a:satMod val="170000"/>
+          </a:schemeClr>
+        </a:solidFill>
+        <a:gradFill rotWithShape="1">
+          <a:gsLst>
+            <a:gs pos="0">
+              <a:schemeClr val="phClr">
+                <a:tint val="93000"/>
+                <a:satMod val="150000"/>
+                <a:shade val="98000"/>
+                <a:lumMod val="102000"/>
+              </a:schemeClr>
+            </a:gs>
+            <a:gs pos="50000">
+              <a:schemeClr val="phClr">
+                <a:tint val="98000"/>
+                <a:satMod val="130000"/>
+                <a:shade val="90000"/>
+                <a:lumMod val="103000"/>
+              </a:schemeClr>
+            </a:gs>
+            <a:gs pos="100000">
+              <a:schemeClr val="phClr">
+                <a:shade val="63000"/>
+                <a:satMod val="120000"/>
+              </a:schemeClr>
+            </a:gs>
+          </a:gsLst>
+          <a:lin ang="5400000" scaled="0"/>
+        </a:gradFill>
+      </a:bgFillStyleLst>
+    </a:fmtScheme>
+  </a:themeElements>
+  <a:objectDefaults>
+    <a:lnDef>
+      <a:spPr/>
+      <a:bodyPr/>
+      <a:lstStyle/>
+      <a:style>
+        <a:lnRef idx="2">
+          <a:schemeClr val="accent1"/>
+        </a:lnRef>
+        <a:fillRef idx="0">
+          <a:schemeClr val="accent1"/>
+        </a:fillRef>
+        <a:effectRef idx="1">
+          <a:schemeClr val="accent1"/>
+        </a:effectRef>
+        <a:fontRef idx="minor">
+          <a:schemeClr val="tx1"/>
+        </a:fontRef>
+      </a:style>
+    </a:lnDef>
+  </a:objectDefaults>
+  <a:extraClrSchemeLst/>
+  <a:extLst>
+    <a:ext uri="{05A4C25C-085E-4340-85A3-A5531E510DB2}">
+      <thm15:themeFamily xmlns:thm15="http://schemas.microsoft.com/office/thememl/2012/main" name="Office Theme" id="{2E142A2C-CD16-42D6-873A-C26D2A0506FA}" vid="{1BDDFF52-6CD6-40A5-AB3C-68EB2F1E4D0A}"/>
+    </a:ext>
+  </a:extLst>
+</a:theme>
 </file>